--- a/blog_presentation.pptx
+++ b/blog_presentation.pptx
@@ -121,6 +121,11 @@
       </a:defRPr>
     </a:lvl9pPr>
   </p:defaultTextStyle>
+  <p:extLst>
+    <p:ext uri="{EFAFB233-063F-42B5-8137-9DF3F51BA10A}">
+      <p15:sldGuideLst xmlns:p15="http://schemas.microsoft.com/office/powerpoint/2012/main"/>
+    </p:ext>
+  </p:extLst>
 </p:presentation>
 </file>
 
@@ -311,7 +316,7 @@
             <a:fld id="{B61BEF0D-F0BB-DE4B-95CE-6DB70DBA9567}" type="datetimeFigureOut">
               <a:rPr lang="en-US" dirty="0"/>
               <a:pPr/>
-              <a:t>2/14/2020</a:t>
+              <a:t>2/20/2020</a:t>
             </a:fld>
             <a:endParaRPr lang="en-US" dirty="0"/>
           </a:p>
@@ -477,7 +482,7 @@
           <a:p>
             <a:fld id="{42A54C80-263E-416B-A8E0-580EDEADCBDC}" type="datetimeFigureOut">
               <a:rPr lang="en-US" dirty="0"/>
-              <a:t>2/14/2020</a:t>
+              <a:t>2/20/2020</a:t>
             </a:fld>
             <a:endParaRPr lang="en-US" dirty="0"/>
           </a:p>
@@ -1279,7 +1284,7 @@
             <a:fld id="{B61BEF0D-F0BB-DE4B-95CE-6DB70DBA9567}" type="datetimeFigureOut">
               <a:rPr lang="en-US" dirty="0"/>
               <a:pPr/>
-              <a:t>2/14/2020</a:t>
+              <a:t>2/20/2020</a:t>
             </a:fld>
             <a:endParaRPr lang="en-US" dirty="0"/>
           </a:p>
@@ -2020,7 +2025,7 @@
             <a:fld id="{B61BEF0D-F0BB-DE4B-95CE-6DB70DBA9567}" type="datetimeFigureOut">
               <a:rPr lang="en-US" dirty="0"/>
               <a:pPr/>
-              <a:t>2/14/2020</a:t>
+              <a:t>2/20/2020</a:t>
             </a:fld>
             <a:endParaRPr lang="en-US" dirty="0"/>
           </a:p>
@@ -2836,8 +2841,12 @@
           </a:p>
           <a:p>
             <a:r>
+              <a:rPr lang="fr-FR" dirty="0" err="1"/>
+              <a:t>session_start</a:t>
+            </a:r>
+            <a:r>
               <a:rPr lang="fr-FR" dirty="0"/>
-              <a:t>Session_start()</a:t>
+              <a:t>()</a:t>
             </a:r>
           </a:p>
           <a:p>
@@ -9671,6 +9680,9 @@
           <a:bodyPr/>
           <a:lstStyle/>
           <a:p>
+            <a:endParaRPr lang="fr-FR" dirty="0"/>
+          </a:p>
+          <a:p>
             <a:r>
               <a:rPr lang="fr-FR" dirty="0"/>
               <a:t>PHP/MySQL</a:t>
@@ -12396,7 +12408,7 @@
         </p:blipFill>
         <p:spPr>
           <a:xfrm>
-            <a:off x="4534114" y="1161706"/>
+            <a:off x="4505711" y="1393189"/>
             <a:ext cx="7328034" cy="4381527"/>
           </a:xfrm>
           <a:prstGeom prst="rect">
